--- a/簡報2.pptx
+++ b/簡報2.pptx
@@ -104,6 +104,11 @@
       </a:defRPr>
     </a:lvl9pPr>
   </p:defaultTextStyle>
+  <p:extLst>
+    <p:ext uri="{EFAFB233-063F-42B5-8137-9DF3F51BA10A}">
+      <p15:sldGuideLst xmlns:p15="http://schemas.microsoft.com/office/powerpoint/2012/main"/>
+    </p:ext>
+  </p:extLst>
 </p:presentation>
 </file>
 
@@ -238,7 +243,7 @@
           <a:p>
             <a:fld id="{DA936BE3-869B-4738-A143-E8B1BDD14DA4}" type="datetimeFigureOut">
               <a:rPr lang="zh-TW" altLang="en-US" smtClean="0"/>
-              <a:t>2017/3/28</a:t>
+              <a:t>2017/3/29</a:t>
             </a:fld>
             <a:endParaRPr lang="zh-TW" altLang="en-US"/>
           </a:p>
@@ -408,7 +413,7 @@
           <a:p>
             <a:fld id="{DA936BE3-869B-4738-A143-E8B1BDD14DA4}" type="datetimeFigureOut">
               <a:rPr lang="zh-TW" altLang="en-US" smtClean="0"/>
-              <a:t>2017/3/28</a:t>
+              <a:t>2017/3/29</a:t>
             </a:fld>
             <a:endParaRPr lang="zh-TW" altLang="en-US"/>
           </a:p>
@@ -588,7 +593,7 @@
           <a:p>
             <a:fld id="{DA936BE3-869B-4738-A143-E8B1BDD14DA4}" type="datetimeFigureOut">
               <a:rPr lang="zh-TW" altLang="en-US" smtClean="0"/>
-              <a:t>2017/3/28</a:t>
+              <a:t>2017/3/29</a:t>
             </a:fld>
             <a:endParaRPr lang="zh-TW" altLang="en-US"/>
           </a:p>
@@ -758,7 +763,7 @@
           <a:p>
             <a:fld id="{DA936BE3-869B-4738-A143-E8B1BDD14DA4}" type="datetimeFigureOut">
               <a:rPr lang="zh-TW" altLang="en-US" smtClean="0"/>
-              <a:t>2017/3/28</a:t>
+              <a:t>2017/3/29</a:t>
             </a:fld>
             <a:endParaRPr lang="zh-TW" altLang="en-US"/>
           </a:p>
@@ -1002,7 +1007,7 @@
           <a:p>
             <a:fld id="{DA936BE3-869B-4738-A143-E8B1BDD14DA4}" type="datetimeFigureOut">
               <a:rPr lang="zh-TW" altLang="en-US" smtClean="0"/>
-              <a:t>2017/3/28</a:t>
+              <a:t>2017/3/29</a:t>
             </a:fld>
             <a:endParaRPr lang="zh-TW" altLang="en-US"/>
           </a:p>
@@ -1234,7 +1239,7 @@
           <a:p>
             <a:fld id="{DA936BE3-869B-4738-A143-E8B1BDD14DA4}" type="datetimeFigureOut">
               <a:rPr lang="zh-TW" altLang="en-US" smtClean="0"/>
-              <a:t>2017/3/28</a:t>
+              <a:t>2017/3/29</a:t>
             </a:fld>
             <a:endParaRPr lang="zh-TW" altLang="en-US"/>
           </a:p>
@@ -1601,7 +1606,7 @@
           <a:p>
             <a:fld id="{DA936BE3-869B-4738-A143-E8B1BDD14DA4}" type="datetimeFigureOut">
               <a:rPr lang="zh-TW" altLang="en-US" smtClean="0"/>
-              <a:t>2017/3/28</a:t>
+              <a:t>2017/3/29</a:t>
             </a:fld>
             <a:endParaRPr lang="zh-TW" altLang="en-US"/>
           </a:p>
@@ -1719,7 +1724,7 @@
           <a:p>
             <a:fld id="{DA936BE3-869B-4738-A143-E8B1BDD14DA4}" type="datetimeFigureOut">
               <a:rPr lang="zh-TW" altLang="en-US" smtClean="0"/>
-              <a:t>2017/3/28</a:t>
+              <a:t>2017/3/29</a:t>
             </a:fld>
             <a:endParaRPr lang="zh-TW" altLang="en-US"/>
           </a:p>
@@ -1814,7 +1819,7 @@
           <a:p>
             <a:fld id="{DA936BE3-869B-4738-A143-E8B1BDD14DA4}" type="datetimeFigureOut">
               <a:rPr lang="zh-TW" altLang="en-US" smtClean="0"/>
-              <a:t>2017/3/28</a:t>
+              <a:t>2017/3/29</a:t>
             </a:fld>
             <a:endParaRPr lang="zh-TW" altLang="en-US"/>
           </a:p>
@@ -2091,7 +2096,7 @@
           <a:p>
             <a:fld id="{DA936BE3-869B-4738-A143-E8B1BDD14DA4}" type="datetimeFigureOut">
               <a:rPr lang="zh-TW" altLang="en-US" smtClean="0"/>
-              <a:t>2017/3/28</a:t>
+              <a:t>2017/3/29</a:t>
             </a:fld>
             <a:endParaRPr lang="zh-TW" altLang="en-US"/>
           </a:p>
@@ -2348,7 +2353,7 @@
           <a:p>
             <a:fld id="{DA936BE3-869B-4738-A143-E8B1BDD14DA4}" type="datetimeFigureOut">
               <a:rPr lang="zh-TW" altLang="en-US" smtClean="0"/>
-              <a:t>2017/3/28</a:t>
+              <a:t>2017/3/29</a:t>
             </a:fld>
             <a:endParaRPr lang="zh-TW" altLang="en-US"/>
           </a:p>
@@ -2561,7 +2566,7 @@
           <a:p>
             <a:fld id="{DA936BE3-869B-4738-A143-E8B1BDD14DA4}" type="datetimeFigureOut">
               <a:rPr lang="zh-TW" altLang="en-US" smtClean="0"/>
-              <a:t>2017/3/28</a:t>
+              <a:t>2017/3/29</a:t>
             </a:fld>
             <a:endParaRPr lang="zh-TW" altLang="en-US"/>
           </a:p>
@@ -3249,7 +3254,7 @@
                 <a:latin typeface="微軟正黑體" panose="020B0604030504040204" pitchFamily="34" charset="-120"/>
                 <a:ea typeface="微軟正黑體" panose="020B0604030504040204" pitchFamily="34" charset="-120"/>
               </a:rPr>
-              <a:t>菜價</a:t>
+              <a:t>記帳</a:t>
             </a:r>
             <a:endParaRPr lang="en-US" altLang="zh-TW" sz="3600" b="1" dirty="0" smtClean="0">
               <a:latin typeface="微軟正黑體" panose="020B0604030504040204" pitchFamily="34" charset="-120"/>
@@ -3259,11 +3264,32 @@
           <a:p>
             <a:pPr algn="ctr"/>
             <a:r>
+              <a:rPr lang="en-US" altLang="zh-TW" b="1" dirty="0">
+                <a:latin typeface="微軟正黑體" panose="020B0604030504040204" pitchFamily="34" charset="-120"/>
+                <a:ea typeface="微軟正黑體" panose="020B0604030504040204" pitchFamily="34" charset="-120"/>
+              </a:rPr>
+              <a:t>&amp;</a:t>
+            </a:r>
+            <a:endParaRPr lang="en-US" altLang="zh-TW" b="1" dirty="0" smtClean="0">
+              <a:latin typeface="微軟正黑體" panose="020B0604030504040204" pitchFamily="34" charset="-120"/>
+              <a:ea typeface="微軟正黑體" panose="020B0604030504040204" pitchFamily="34" charset="-120"/>
+            </a:endParaRPr>
+          </a:p>
+          <a:p>
+            <a:pPr algn="ctr"/>
+            <a:r>
               <a:rPr lang="zh-TW" altLang="en-US" sz="3600" b="1" dirty="0" smtClean="0">
                 <a:latin typeface="微軟正黑體" panose="020B0604030504040204" pitchFamily="34" charset="-120"/>
                 <a:ea typeface="微軟正黑體" panose="020B0604030504040204" pitchFamily="34" charset="-120"/>
               </a:rPr>
-              <a:t>上傳</a:t>
+              <a:t>上</a:t>
+            </a:r>
+            <a:r>
+              <a:rPr lang="zh-TW" altLang="en-US" sz="3600" b="1" dirty="0" smtClean="0">
+                <a:latin typeface="微軟正黑體" panose="020B0604030504040204" pitchFamily="34" charset="-120"/>
+                <a:ea typeface="微軟正黑體" panose="020B0604030504040204" pitchFamily="34" charset="-120"/>
+              </a:rPr>
+              <a:t>傳</a:t>
             </a:r>
             <a:endParaRPr lang="zh-TW" altLang="en-US" sz="3600" b="1" dirty="0">
               <a:latin typeface="微軟正黑體" panose="020B0604030504040204" pitchFamily="34" charset="-120"/>
@@ -3416,10 +3442,6 @@
               </a:rPr>
               <a:t>詢</a:t>
             </a:r>
-            <a:endParaRPr lang="zh-TW" altLang="en-US" sz="7200" b="1" dirty="0">
-              <a:latin typeface="微軟正黑體" panose="020B0604030504040204" pitchFamily="34" charset="-120"/>
-              <a:ea typeface="微軟正黑體" panose="020B0604030504040204" pitchFamily="34" charset="-120"/>
-            </a:endParaRPr>
           </a:p>
         </p:txBody>
       </p:sp>
@@ -3475,11 +3497,18 @@
           <a:p>
             <a:pPr algn="ctr"/>
             <a:r>
-              <a:rPr lang="zh-TW" altLang="en-US" sz="3600" b="1" dirty="0" smtClean="0">
+              <a:rPr lang="zh-TW" altLang="en-US" sz="3600" b="1" smtClean="0">
                 <a:latin typeface="微軟正黑體" panose="020B0604030504040204" pitchFamily="34" charset="-120"/>
                 <a:ea typeface="微軟正黑體" panose="020B0604030504040204" pitchFamily="34" charset="-120"/>
               </a:rPr>
-              <a:t>最新菜價資訊</a:t>
+              <a:t>最新</a:t>
+            </a:r>
+            <a:r>
+              <a:rPr lang="zh-TW" altLang="en-US" sz="3600" b="1" smtClean="0">
+                <a:latin typeface="微軟正黑體" panose="020B0604030504040204" pitchFamily="34" charset="-120"/>
+                <a:ea typeface="微軟正黑體" panose="020B0604030504040204" pitchFamily="34" charset="-120"/>
+              </a:rPr>
+              <a:t>菜價新聞</a:t>
             </a:r>
             <a:endParaRPr lang="zh-TW" altLang="en-US" sz="3600" b="1" dirty="0">
               <a:latin typeface="微軟正黑體" panose="020B0604030504040204" pitchFamily="34" charset="-120"/>
